--- a/General Software Engineering/Debugging and Test Driven Development.pptx
+++ b/General Software Engineering/Debugging and Test Driven Development.pptx
@@ -26,8 +26,9 @@
     <p:sldId id="274" r:id="rId20"/>
     <p:sldId id="275" r:id="rId21"/>
     <p:sldId id="276" r:id="rId22"/>
-    <p:sldId id="277" r:id="rId23"/>
-    <p:sldId id="278" r:id="rId24"/>
+    <p:sldId id="280" r:id="rId23"/>
+    <p:sldId id="277" r:id="rId24"/>
+    <p:sldId id="278" r:id="rId25"/>
   </p:sldIdLst>
   <p:sldSz cx="12192000" cy="6858000"/>
   <p:notesSz cx="6858000" cy="9144000"/>
@@ -265,7 +266,7 @@
           <a:p>
             <a:fld id="{EE930BC0-0865-42DF-92E4-6429C145D662}" type="datetimeFigureOut">
               <a:rPr lang="nl-NL" smtClean="0"/>
-              <a:t>31-5-2023</a:t>
+              <a:t>30-11-2023</a:t>
             </a:fld>
             <a:endParaRPr lang="nl-NL"/>
           </a:p>
@@ -435,7 +436,7 @@
           <a:p>
             <a:fld id="{EE930BC0-0865-42DF-92E4-6429C145D662}" type="datetimeFigureOut">
               <a:rPr lang="nl-NL" smtClean="0"/>
-              <a:t>31-5-2023</a:t>
+              <a:t>30-11-2023</a:t>
             </a:fld>
             <a:endParaRPr lang="nl-NL"/>
           </a:p>
@@ -615,7 +616,7 @@
           <a:p>
             <a:fld id="{EE930BC0-0865-42DF-92E4-6429C145D662}" type="datetimeFigureOut">
               <a:rPr lang="nl-NL" smtClean="0"/>
-              <a:t>31-5-2023</a:t>
+              <a:t>30-11-2023</a:t>
             </a:fld>
             <a:endParaRPr lang="nl-NL"/>
           </a:p>
@@ -785,7 +786,7 @@
           <a:p>
             <a:fld id="{EE930BC0-0865-42DF-92E4-6429C145D662}" type="datetimeFigureOut">
               <a:rPr lang="nl-NL" smtClean="0"/>
-              <a:t>31-5-2023</a:t>
+              <a:t>30-11-2023</a:t>
             </a:fld>
             <a:endParaRPr lang="nl-NL"/>
           </a:p>
@@ -1031,7 +1032,7 @@
           <a:p>
             <a:fld id="{EE930BC0-0865-42DF-92E4-6429C145D662}" type="datetimeFigureOut">
               <a:rPr lang="nl-NL" smtClean="0"/>
-              <a:t>31-5-2023</a:t>
+              <a:t>30-11-2023</a:t>
             </a:fld>
             <a:endParaRPr lang="nl-NL"/>
           </a:p>
@@ -1263,7 +1264,7 @@
           <a:p>
             <a:fld id="{EE930BC0-0865-42DF-92E4-6429C145D662}" type="datetimeFigureOut">
               <a:rPr lang="nl-NL" smtClean="0"/>
-              <a:t>31-5-2023</a:t>
+              <a:t>30-11-2023</a:t>
             </a:fld>
             <a:endParaRPr lang="nl-NL"/>
           </a:p>
@@ -1630,7 +1631,7 @@
           <a:p>
             <a:fld id="{EE930BC0-0865-42DF-92E4-6429C145D662}" type="datetimeFigureOut">
               <a:rPr lang="nl-NL" smtClean="0"/>
-              <a:t>31-5-2023</a:t>
+              <a:t>30-11-2023</a:t>
             </a:fld>
             <a:endParaRPr lang="nl-NL"/>
           </a:p>
@@ -1748,7 +1749,7 @@
           <a:p>
             <a:fld id="{EE930BC0-0865-42DF-92E4-6429C145D662}" type="datetimeFigureOut">
               <a:rPr lang="nl-NL" smtClean="0"/>
-              <a:t>31-5-2023</a:t>
+              <a:t>30-11-2023</a:t>
             </a:fld>
             <a:endParaRPr lang="nl-NL"/>
           </a:p>
@@ -1843,7 +1844,7 @@
           <a:p>
             <a:fld id="{EE930BC0-0865-42DF-92E4-6429C145D662}" type="datetimeFigureOut">
               <a:rPr lang="nl-NL" smtClean="0"/>
-              <a:t>31-5-2023</a:t>
+              <a:t>30-11-2023</a:t>
             </a:fld>
             <a:endParaRPr lang="nl-NL"/>
           </a:p>
@@ -2120,7 +2121,7 @@
           <a:p>
             <a:fld id="{EE930BC0-0865-42DF-92E4-6429C145D662}" type="datetimeFigureOut">
               <a:rPr lang="nl-NL" smtClean="0"/>
-              <a:t>31-5-2023</a:t>
+              <a:t>30-11-2023</a:t>
             </a:fld>
             <a:endParaRPr lang="nl-NL"/>
           </a:p>
@@ -2373,7 +2374,7 @@
           <a:p>
             <a:fld id="{EE930BC0-0865-42DF-92E4-6429C145D662}" type="datetimeFigureOut">
               <a:rPr lang="nl-NL" smtClean="0"/>
-              <a:t>31-5-2023</a:t>
+              <a:t>30-11-2023</a:t>
             </a:fld>
             <a:endParaRPr lang="nl-NL"/>
           </a:p>
@@ -2586,7 +2587,7 @@
           <a:p>
             <a:fld id="{EE930BC0-0865-42DF-92E4-6429C145D662}" type="datetimeFigureOut">
               <a:rPr lang="nl-NL" smtClean="0"/>
-              <a:t>31-5-2023</a:t>
+              <a:t>30-11-2023</a:t>
             </a:fld>
             <a:endParaRPr lang="nl-NL"/>
           </a:p>
@@ -3932,9 +3933,12 @@
             </a:pPr>
             <a:r>
               <a:rPr lang="en-US" dirty="0" smtClean="0"/>
-              <a:t>Implementing code is solely done to make tests pass</a:t>
-            </a:r>
-            <a:endParaRPr lang="nl-NL" dirty="0"/>
+              <a:t>Implementing code is solely done to </a:t>
+            </a:r>
+            <a:r>
+              <a:rPr lang="en-US" dirty="0" smtClean="0"/>
+              <a:t>make the tests pass</a:t>
+            </a:r>
           </a:p>
         </p:txBody>
       </p:sp>
@@ -4895,6 +4899,157 @@
         </p:nvSpPr>
         <p:spPr/>
         <p:txBody>
+          <a:bodyPr>
+            <a:normAutofit/>
+          </a:bodyPr>
+          <a:lstStyle/>
+          <a:p>
+            <a:r>
+              <a:rPr lang="en-US" dirty="0" smtClean="0"/>
+              <a:t>Step </a:t>
+            </a:r>
+            <a:r>
+              <a:rPr lang="en-US" dirty="0" smtClean="0"/>
+              <a:t>1: Start a new feature and add new tests to cover this feature</a:t>
+            </a:r>
+            <a:endParaRPr lang="nl-NL" dirty="0"/>
+          </a:p>
+        </p:txBody>
+      </p:sp>
+      <p:sp>
+        <p:nvSpPr>
+          <p:cNvPr id="6" name="Content Placeholder 5"/>
+          <p:cNvSpPr>
+            <a:spLocks noGrp="1"/>
+          </p:cNvSpPr>
+          <p:nvPr>
+            <p:ph idx="1"/>
+          </p:nvPr>
+        </p:nvSpPr>
+        <p:spPr/>
+        <p:txBody>
+          <a:bodyPr/>
+          <a:lstStyle/>
+          <a:p>
+            <a:r>
+              <a:rPr lang="en-US" dirty="0" smtClean="0"/>
+              <a:t>Step one: decide on a new feature;</a:t>
+            </a:r>
+            <a:endParaRPr lang="en-US" dirty="0"/>
+          </a:p>
+          <a:p>
+            <a:pPr lvl="1"/>
+            <a:r>
+              <a:rPr lang="en-US" dirty="0" smtClean="0"/>
+              <a:t>Our feature: add the income from two people together</a:t>
+            </a:r>
+            <a:endParaRPr lang="en-US" dirty="0"/>
+          </a:p>
+          <a:p>
+            <a:r>
+              <a:rPr lang="en-US" dirty="0" smtClean="0"/>
+              <a:t>Step two: create tests</a:t>
+            </a:r>
+          </a:p>
+        </p:txBody>
+      </p:sp>
+      <p:pic>
+        <p:nvPicPr>
+          <p:cNvPr id="3" name="Picture 2"/>
+          <p:cNvPicPr>
+            <a:picLocks noChangeAspect="1"/>
+          </p:cNvPicPr>
+          <p:nvPr/>
+        </p:nvPicPr>
+        <p:blipFill>
+          <a:blip r:embed="rId2"/>
+          <a:stretch>
+            <a:fillRect/>
+          </a:stretch>
+        </p:blipFill>
+        <p:spPr>
+          <a:xfrm>
+            <a:off x="6258877" y="4082959"/>
+            <a:ext cx="4886325" cy="1657350"/>
+          </a:xfrm>
+          <a:prstGeom prst="rect">
+            <a:avLst/>
+          </a:prstGeom>
+        </p:spPr>
+      </p:pic>
+      <p:pic>
+        <p:nvPicPr>
+          <p:cNvPr id="4" name="Picture 3"/>
+          <p:cNvPicPr>
+            <a:picLocks noChangeAspect="1"/>
+          </p:cNvPicPr>
+          <p:nvPr/>
+        </p:nvPicPr>
+        <p:blipFill>
+          <a:blip r:embed="rId3"/>
+          <a:stretch>
+            <a:fillRect/>
+          </a:stretch>
+        </p:blipFill>
+        <p:spPr>
+          <a:xfrm>
+            <a:off x="896302" y="1877105"/>
+            <a:ext cx="9958932" cy="1397435"/>
+          </a:xfrm>
+          <a:prstGeom prst="rect">
+            <a:avLst/>
+          </a:prstGeom>
+        </p:spPr>
+      </p:pic>
+    </p:spTree>
+    <p:extLst>
+      <p:ext uri="{BB962C8B-B14F-4D97-AF65-F5344CB8AC3E}">
+        <p14:creationId xmlns:p14="http://schemas.microsoft.com/office/powerpoint/2010/main" val="3931915519"/>
+      </p:ext>
+    </p:extLst>
+  </p:cSld>
+  <p:clrMapOvr>
+    <a:masterClrMapping/>
+  </p:clrMapOvr>
+  <p:timing>
+    <p:tnLst>
+      <p:par>
+        <p:cTn id="1" dur="indefinite" restart="never" nodeType="tmRoot"/>
+      </p:par>
+    </p:tnLst>
+  </p:timing>
+</p:sld>
+</file>
+
+<file path=ppt/slides/slide23.xml><?xml version="1.0" encoding="utf-8"?>
+<p:sld xmlns:a="http://schemas.openxmlformats.org/drawingml/2006/main" xmlns:r="http://schemas.openxmlformats.org/officeDocument/2006/relationships" xmlns:p="http://schemas.openxmlformats.org/presentationml/2006/main">
+  <p:cSld>
+    <p:spTree>
+      <p:nvGrpSpPr>
+        <p:cNvPr id="1" name=""/>
+        <p:cNvGrpSpPr/>
+        <p:nvPr/>
+      </p:nvGrpSpPr>
+      <p:grpSpPr>
+        <a:xfrm>
+          <a:off x="0" y="0"/>
+          <a:ext cx="0" cy="0"/>
+          <a:chOff x="0" y="0"/>
+          <a:chExt cx="0" cy="0"/>
+        </a:xfrm>
+      </p:grpSpPr>
+      <p:sp>
+        <p:nvSpPr>
+          <p:cNvPr id="2" name="Title 1"/>
+          <p:cNvSpPr>
+            <a:spLocks noGrp="1"/>
+          </p:cNvSpPr>
+          <p:nvPr>
+            <p:ph type="title"/>
+          </p:nvPr>
+        </p:nvSpPr>
+        <p:spPr/>
+        <p:txBody>
           <a:bodyPr/>
           <a:lstStyle/>
           <a:p>
@@ -4951,13 +5106,8 @@
             <a:pPr lvl="1"/>
             <a:r>
               <a:rPr lang="en-US" dirty="0" smtClean="0"/>
-              <a:t>In practice this isn’t </a:t>
-            </a:r>
-            <a:r>
-              <a:rPr lang="en-US" dirty="0" smtClean="0"/>
-              <a:t>possible</a:t>
-            </a:r>
-            <a:endParaRPr lang="en-US" dirty="0" smtClean="0"/>
+              <a:t>In practice this isn’t possible</a:t>
+            </a:r>
           </a:p>
           <a:p>
             <a:pPr lvl="1"/>
@@ -4966,15 +5116,7 @@
           <a:p>
             <a:r>
               <a:rPr lang="en-US" dirty="0" smtClean="0"/>
-              <a:t>Usefulness highly </a:t>
-            </a:r>
-            <a:r>
-              <a:rPr lang="en-US" dirty="0" smtClean="0"/>
-              <a:t>dependents </a:t>
-            </a:r>
-            <a:r>
-              <a:rPr lang="en-US" dirty="0" smtClean="0"/>
-              <a:t>on quality of the </a:t>
+              <a:t>Usefulness highly dependents on quality of the </a:t>
             </a:r>
             <a:br>
               <a:rPr lang="en-US" dirty="0" smtClean="0"/>
@@ -5026,11 +5168,7 @@
             </a:br>
             <a:r>
               <a:rPr lang="en-US" dirty="0" smtClean="0"/>
-              <a:t>mistake before you </a:t>
-            </a:r>
-            <a:r>
-              <a:rPr lang="en-US" dirty="0" smtClean="0"/>
-              <a:t>your 3-week experiment crashes in</a:t>
+              <a:t>mistake before you your 3-week experiment crashes in</a:t>
             </a:r>
             <a:br>
               <a:rPr lang="en-US" dirty="0" smtClean="0"/>
@@ -5049,7 +5187,6 @@
               <a:rPr lang="en-US" dirty="0" smtClean="0"/>
               <a:t>You don’t need a 100% test-coverage</a:t>
             </a:r>
-            <a:endParaRPr lang="en-US" dirty="0" smtClean="0"/>
           </a:p>
           <a:p>
             <a:pPr lvl="1"/>
@@ -5256,7 +5393,7 @@
 </p:sld>
 </file>
 
-<file path=ppt/slides/slide23.xml><?xml version="1.0" encoding="utf-8"?>
+<file path=ppt/slides/slide24.xml><?xml version="1.0" encoding="utf-8"?>
 <p:sld xmlns:a="http://schemas.openxmlformats.org/drawingml/2006/main" xmlns:r="http://schemas.openxmlformats.org/officeDocument/2006/relationships" xmlns:p="http://schemas.openxmlformats.org/presentationml/2006/main">
   <p:cSld>
     <p:spTree>
@@ -5325,11 +5462,7 @@
           <a:p>
             <a:r>
               <a:rPr lang="en-US" dirty="0" smtClean="0"/>
-              <a:t>Have others review your code &amp; </a:t>
-            </a:r>
-            <a:r>
-              <a:rPr lang="en-US" dirty="0" smtClean="0"/>
-              <a:t>tests</a:t>
+              <a:t>Have others review your code &amp; tests</a:t>
             </a:r>
             <a:endParaRPr lang="nl-NL" dirty="0"/>
           </a:p>
